--- a/3. correlation.pptx
+++ b/3. correlation.pptx
@@ -306,7 +306,7 @@
           <a:p>
             <a:fld id="{5B82272B-CEBB-4001-847C-26DA8D73DF24}" type="datetimeFigureOut">
               <a:rPr lang="en-US" smtClean="0"/>
-              <a:t>12/1/2023</a:t>
+              <a:t>12/8/2023</a:t>
             </a:fld>
             <a:endParaRPr lang="en-US"/>
           </a:p>
@@ -471,7 +471,7 @@
           <a:p>
             <a:fld id="{E9840858-59EF-41E7-9FD6-3FA0BE2A8C4E}" type="datetimeFigureOut">
               <a:rPr lang="en-US" smtClean="0"/>
-              <a:t>12/1/2023</a:t>
+              <a:t>12/8/2023</a:t>
             </a:fld>
             <a:endParaRPr lang="en-US"/>
           </a:p>
@@ -3303,7 +3303,7 @@
           <a:p>
             <a:fld id="{261AD85A-2CEC-4C9C-822C-ED4CDC499645}" type="datetime4">
               <a:rPr lang="fr-FR" smtClean="0"/>
-              <a:t>1er décembre 2023</a:t>
+              <a:t>8 décembre 2023</a:t>
             </a:fld>
             <a:endParaRPr lang="en-US"/>
           </a:p>
@@ -3537,7 +3537,7 @@
           <a:p>
             <a:fld id="{261AD85A-2CEC-4C9C-822C-ED4CDC499645}" type="datetime4">
               <a:rPr lang="fr-FR" smtClean="0"/>
-              <a:t>1er décembre 2023</a:t>
+              <a:t>8 décembre 2023</a:t>
             </a:fld>
             <a:endParaRPr lang="en-US"/>
           </a:p>
@@ -3771,7 +3771,7 @@
           <a:p>
             <a:fld id="{261AD85A-2CEC-4C9C-822C-ED4CDC499645}" type="datetime4">
               <a:rPr lang="fr-FR" smtClean="0"/>
-              <a:t>1er décembre 2023</a:t>
+              <a:t>8 décembre 2023</a:t>
             </a:fld>
             <a:endParaRPr lang="en-US"/>
           </a:p>
@@ -4051,7 +4051,7 @@
           <a:p>
             <a:fld id="{261AD85A-2CEC-4C9C-822C-ED4CDC499645}" type="datetime4">
               <a:rPr lang="fr-FR" smtClean="0"/>
-              <a:t>1er décembre 2023</a:t>
+              <a:t>8 décembre 2023</a:t>
             </a:fld>
             <a:endParaRPr lang="en-US"/>
           </a:p>
@@ -4263,7 +4263,7 @@
           <a:p>
             <a:fld id="{261AD85A-2CEC-4C9C-822C-ED4CDC499645}" type="datetime4">
               <a:rPr lang="fr-FR" smtClean="0"/>
-              <a:t>1er décembre 2023</a:t>
+              <a:t>8 décembre 2023</a:t>
             </a:fld>
             <a:endParaRPr lang="en-US"/>
           </a:p>
@@ -4851,7 +4851,7 @@
           <a:p>
             <a:fld id="{261AD85A-2CEC-4C9C-822C-ED4CDC499645}" type="datetime4">
               <a:rPr lang="fr-FR" smtClean="0"/>
-              <a:t>1er décembre 2023</a:t>
+              <a:t>8 décembre 2023</a:t>
             </a:fld>
             <a:endParaRPr lang="en-US"/>
           </a:p>
@@ -5512,7 +5512,7 @@
           <a:p>
             <a:fld id="{261AD85A-2CEC-4C9C-822C-ED4CDC499645}" type="datetime4">
               <a:rPr lang="fr-FR" smtClean="0"/>
-              <a:t>1er décembre 2023</a:t>
+              <a:t>8 décembre 2023</a:t>
             </a:fld>
             <a:endParaRPr lang="en-US"/>
           </a:p>
@@ -6036,7 +6036,7 @@
           <a:p>
             <a:fld id="{261AD85A-2CEC-4C9C-822C-ED4CDC499645}" type="datetime4">
               <a:rPr lang="fr-FR" smtClean="0"/>
-              <a:t>1er décembre 2023</a:t>
+              <a:t>8 décembre 2023</a:t>
             </a:fld>
             <a:endParaRPr lang="en-US"/>
           </a:p>
@@ -6708,7 +6708,7 @@
           <a:p>
             <a:fld id="{261AD85A-2CEC-4C9C-822C-ED4CDC499645}" type="datetime4">
               <a:rPr lang="fr-FR" smtClean="0"/>
-              <a:t>1er décembre 2023</a:t>
+              <a:t>8 décembre 2023</a:t>
             </a:fld>
             <a:endParaRPr lang="en-US"/>
           </a:p>
@@ -7592,7 +7592,7 @@
           <a:p>
             <a:fld id="{261AD85A-2CEC-4C9C-822C-ED4CDC499645}" type="datetime4">
               <a:rPr lang="fr-FR" smtClean="0"/>
-              <a:t>1er décembre 2023</a:t>
+              <a:t>8 décembre 2023</a:t>
             </a:fld>
             <a:endParaRPr lang="en-US"/>
           </a:p>
@@ -8146,7 +8146,7 @@
           <a:p>
             <a:fld id="{261AD85A-2CEC-4C9C-822C-ED4CDC499645}" type="datetime4">
               <a:rPr lang="fr-FR" smtClean="0"/>
-              <a:t>1er décembre 2023</a:t>
+              <a:t>8 décembre 2023</a:t>
             </a:fld>
             <a:endParaRPr lang="en-US"/>
           </a:p>
@@ -8792,7 +8792,7 @@
           <a:p>
             <a:fld id="{261AD85A-2CEC-4C9C-822C-ED4CDC499645}" type="datetime4">
               <a:rPr lang="fr-FR" smtClean="0"/>
-              <a:t>1er décembre 2023</a:t>
+              <a:t>8 décembre 2023</a:t>
             </a:fld>
             <a:endParaRPr lang="en-US"/>
           </a:p>
@@ -8985,7 +8985,7 @@
           <a:p>
             <a:fld id="{261AD85A-2CEC-4C9C-822C-ED4CDC499645}" type="datetime4">
               <a:rPr lang="fr-FR" smtClean="0"/>
-              <a:t>1er décembre 2023</a:t>
+              <a:t>8 décembre 2023</a:t>
             </a:fld>
             <a:endParaRPr lang="en-US"/>
           </a:p>
@@ -9871,7 +9871,7 @@
           <a:p>
             <a:fld id="{261AD85A-2CEC-4C9C-822C-ED4CDC499645}" type="datetime4">
               <a:rPr lang="fr-FR" smtClean="0"/>
-              <a:t>1er décembre 2023</a:t>
+              <a:t>8 décembre 2023</a:t>
             </a:fld>
             <a:endParaRPr lang="en-US"/>
           </a:p>
@@ -10309,7 +10309,7 @@
           <a:p>
             <a:fld id="{261AD85A-2CEC-4C9C-822C-ED4CDC499645}" type="datetime4">
               <a:rPr lang="fr-FR" smtClean="0"/>
-              <a:t>1er décembre 2023</a:t>
+              <a:t>8 décembre 2023</a:t>
             </a:fld>
             <a:endParaRPr lang="en-US"/>
           </a:p>
@@ -11267,7 +11267,7 @@
           <a:p>
             <a:fld id="{261AD85A-2CEC-4C9C-822C-ED4CDC499645}" type="datetime4">
               <a:rPr lang="fr-FR" smtClean="0"/>
-              <a:t>1er décembre 2023</a:t>
+              <a:t>8 décembre 2023</a:t>
             </a:fld>
             <a:endParaRPr lang="en-US"/>
           </a:p>
@@ -11456,7 +11456,7 @@
           <a:p>
             <a:fld id="{261AD85A-2CEC-4C9C-822C-ED4CDC499645}" type="datetime4">
               <a:rPr lang="fr-FR" smtClean="0"/>
-              <a:t>1er décembre 2023</a:t>
+              <a:t>8 décembre 2023</a:t>
             </a:fld>
             <a:endParaRPr lang="en-US"/>
           </a:p>
@@ -12382,7 +12382,7 @@
           <a:p>
             <a:fld id="{261AD85A-2CEC-4C9C-822C-ED4CDC499645}" type="datetime4">
               <a:rPr lang="fr-FR" smtClean="0"/>
-              <a:t>1er décembre 2023</a:t>
+              <a:t>8 décembre 2023</a:t>
             </a:fld>
             <a:endParaRPr lang="en-US"/>
           </a:p>
@@ -12815,7 +12815,7 @@
           <a:p>
             <a:fld id="{261AD85A-2CEC-4C9C-822C-ED4CDC499645}" type="datetime4">
               <a:rPr lang="fr-FR" smtClean="0"/>
-              <a:t>1er décembre 2023</a:t>
+              <a:t>8 décembre 2023</a:t>
             </a:fld>
             <a:endParaRPr lang="en-US"/>
           </a:p>
@@ -13172,7 +13172,7 @@
           <a:p>
             <a:fld id="{261AD85A-2CEC-4C9C-822C-ED4CDC499645}" type="datetime4">
               <a:rPr lang="fr-FR" smtClean="0"/>
-              <a:t>1er décembre 2023</a:t>
+              <a:t>8 décembre 2023</a:t>
             </a:fld>
             <a:endParaRPr lang="en-US"/>
           </a:p>
@@ -13937,7 +13937,7 @@
           <a:p>
             <a:fld id="{261AD85A-2CEC-4C9C-822C-ED4CDC499645}" type="datetime4">
               <a:rPr lang="fr-FR" smtClean="0"/>
-              <a:t>1er décembre 2023</a:t>
+              <a:t>8 décembre 2023</a:t>
             </a:fld>
             <a:endParaRPr lang="en-US"/>
           </a:p>
@@ -14596,7 +14596,7 @@
           <a:p>
             <a:fld id="{261AD85A-2CEC-4C9C-822C-ED4CDC499645}" type="datetime4">
               <a:rPr lang="fr-FR" smtClean="0"/>
-              <a:t>1er décembre 2023</a:t>
+              <a:t>8 décembre 2023</a:t>
             </a:fld>
             <a:endParaRPr lang="en-US"/>
           </a:p>
@@ -15719,7 +15719,7 @@
           <a:p>
             <a:fld id="{261AD85A-2CEC-4C9C-822C-ED4CDC499645}" type="datetime4">
               <a:rPr lang="fr-FR" smtClean="0"/>
-              <a:t>1er décembre 2023</a:t>
+              <a:t>8 décembre 2023</a:t>
             </a:fld>
             <a:endParaRPr lang="en-US"/>
           </a:p>
@@ -16060,7 +16060,7 @@
           <a:p>
             <a:fld id="{261AD85A-2CEC-4C9C-822C-ED4CDC499645}" type="datetime4">
               <a:rPr lang="fr-FR" smtClean="0"/>
-              <a:t>1er décembre 2023</a:t>
+              <a:t>8 décembre 2023</a:t>
             </a:fld>
             <a:endParaRPr lang="en-US"/>
           </a:p>
@@ -16736,7 +16736,7 @@
           <a:lstStyle/>
           <a:p>
             <a:r>
-              <a:rPr lang="en-US" sz="1400" dirty="0" err="1">
+              <a:rPr lang="en-US" sz="1400">
                 <a:solidFill>
                   <a:srgbClr val="000000"/>
                 </a:solidFill>
@@ -16744,10 +16744,10 @@
                 <a:ea typeface="Cambria" panose="02040503050406030204" pitchFamily="18" charset="0"/>
                 <a:cs typeface="Times New Roman" panose="02020603050405020304" pitchFamily="18" charset="0"/>
               </a:rPr>
-              <a:t>fxhistnorm</a:t>
-            </a:r>
-            <a:r>
-              <a:rPr lang="en-US" sz="1400" dirty="0">
+              <a:t>hist</a:t>
+            </a:r>
+            <a:r>
+              <a:rPr lang="en-US" sz="1400">
                 <a:latin typeface="Consolas" panose="020B0609020204030204" pitchFamily="49" charset="0"/>
                 <a:ea typeface="Cambria" panose="02040503050406030204" pitchFamily="18" charset="0"/>
                 <a:cs typeface="Times New Roman" panose="02020603050405020304" pitchFamily="18" charset="0"/>
@@ -17141,7 +17141,7 @@
           <a:p>
             <a:fld id="{261AD85A-2CEC-4C9C-822C-ED4CDC499645}" type="datetime4">
               <a:rPr lang="fr-FR" smtClean="0"/>
-              <a:t>1er décembre 2023</a:t>
+              <a:t>8 décembre 2023</a:t>
             </a:fld>
             <a:endParaRPr lang="en-US"/>
           </a:p>
@@ -17840,7 +17840,7 @@
           <a:p>
             <a:fld id="{261AD85A-2CEC-4C9C-822C-ED4CDC499645}" type="datetime4">
               <a:rPr lang="fr-FR" smtClean="0"/>
-              <a:t>1er décembre 2023</a:t>
+              <a:t>8 décembre 2023</a:t>
             </a:fld>
             <a:endParaRPr lang="en-US"/>
           </a:p>
@@ -18908,7 +18908,7 @@
           <a:p>
             <a:fld id="{261AD85A-2CEC-4C9C-822C-ED4CDC499645}" type="datetime4">
               <a:rPr lang="fr-FR" smtClean="0"/>
-              <a:t>1er décembre 2023</a:t>
+              <a:t>8 décembre 2023</a:t>
             </a:fld>
             <a:endParaRPr lang="en-US"/>
           </a:p>
@@ -22519,7 +22519,7 @@
           <a:p>
             <a:fld id="{261AD85A-2CEC-4C9C-822C-ED4CDC499645}" type="datetime4">
               <a:rPr lang="fr-FR" smtClean="0"/>
-              <a:t>1er décembre 2023</a:t>
+              <a:t>8 décembre 2023</a:t>
             </a:fld>
             <a:endParaRPr lang="en-US"/>
           </a:p>
@@ -23606,7 +23606,7 @@
           <a:p>
             <a:fld id="{261AD85A-2CEC-4C9C-822C-ED4CDC499645}" type="datetime4">
               <a:rPr lang="fr-FR" smtClean="0"/>
-              <a:t>1er décembre 2023</a:t>
+              <a:t>8 décembre 2023</a:t>
             </a:fld>
             <a:endParaRPr lang="en-US"/>
           </a:p>
@@ -23956,7 +23956,7 @@
           <a:p>
             <a:fld id="{261AD85A-2CEC-4C9C-822C-ED4CDC499645}" type="datetime4">
               <a:rPr lang="fr-FR" smtClean="0"/>
-              <a:t>1er décembre 2023</a:t>
+              <a:t>8 décembre 2023</a:t>
             </a:fld>
             <a:endParaRPr lang="en-US"/>
           </a:p>
@@ -24797,7 +24797,7 @@
           <a:p>
             <a:fld id="{261AD85A-2CEC-4C9C-822C-ED4CDC499645}" type="datetime4">
               <a:rPr lang="fr-FR" smtClean="0"/>
-              <a:t>1er décembre 2023</a:t>
+              <a:t>8 décembre 2023</a:t>
             </a:fld>
             <a:endParaRPr lang="en-US"/>
           </a:p>
@@ -25361,7 +25361,7 @@
           <a:p>
             <a:fld id="{261AD85A-2CEC-4C9C-822C-ED4CDC499645}" type="datetime4">
               <a:rPr lang="fr-FR" smtClean="0"/>
-              <a:t>1er décembre 2023</a:t>
+              <a:t>8 décembre 2023</a:t>
             </a:fld>
             <a:endParaRPr lang="en-US"/>
           </a:p>
@@ -25826,7 +25826,7 @@
           <a:p>
             <a:fld id="{261AD85A-2CEC-4C9C-822C-ED4CDC499645}" type="datetime4">
               <a:rPr lang="fr-FR" smtClean="0"/>
-              <a:t>1er décembre 2023</a:t>
+              <a:t>8 décembre 2023</a:t>
             </a:fld>
             <a:endParaRPr lang="en-US"/>
           </a:p>
@@ -26237,7 +26237,7 @@
           <a:p>
             <a:fld id="{261AD85A-2CEC-4C9C-822C-ED4CDC499645}" type="datetime4">
               <a:rPr lang="fr-FR" smtClean="0"/>
-              <a:t>1er décembre 2023</a:t>
+              <a:t>8 décembre 2023</a:t>
             </a:fld>
             <a:endParaRPr lang="en-US"/>
           </a:p>
@@ -26511,7 +26511,7 @@
           <a:p>
             <a:fld id="{261AD85A-2CEC-4C9C-822C-ED4CDC499645}" type="datetime4">
               <a:rPr lang="fr-FR" smtClean="0"/>
-              <a:t>1er décembre 2023</a:t>
+              <a:t>8 décembre 2023</a:t>
             </a:fld>
             <a:endParaRPr lang="en-US"/>
           </a:p>
@@ -27565,7 +27565,7 @@
           <a:p>
             <a:fld id="{261AD85A-2CEC-4C9C-822C-ED4CDC499645}" type="datetime4">
               <a:rPr lang="fr-FR" smtClean="0"/>
-              <a:t>1er décembre 2023</a:t>
+              <a:t>8 décembre 2023</a:t>
             </a:fld>
             <a:endParaRPr lang="en-US"/>
           </a:p>
@@ -28047,7 +28047,7 @@
           <a:p>
             <a:fld id="{261AD85A-2CEC-4C9C-822C-ED4CDC499645}" type="datetime4">
               <a:rPr lang="fr-FR" smtClean="0"/>
-              <a:t>1er décembre 2023</a:t>
+              <a:t>8 décembre 2023</a:t>
             </a:fld>
             <a:endParaRPr lang="en-US"/>
           </a:p>
@@ -28689,7 +28689,7 @@
           <a:p>
             <a:fld id="{261AD85A-2CEC-4C9C-822C-ED4CDC499645}" type="datetime4">
               <a:rPr lang="fr-FR" smtClean="0"/>
-              <a:t>1er décembre 2023</a:t>
+              <a:t>8 décembre 2023</a:t>
             </a:fld>
             <a:endParaRPr lang="en-US"/>
           </a:p>
@@ -29256,7 +29256,7 @@
           <a:p>
             <a:fld id="{261AD85A-2CEC-4C9C-822C-ED4CDC499645}" type="datetime4">
               <a:rPr lang="fr-FR" smtClean="0"/>
-              <a:t>1er décembre 2023</a:t>
+              <a:t>8 décembre 2023</a:t>
             </a:fld>
             <a:endParaRPr lang="en-US"/>
           </a:p>
